--- a/slides/chap7-mln.pptx
+++ b/slides/chap7-mln.pptx
@@ -10313,6 +10313,13 @@
   <p:clrMapOvr>
     <a:masterClrMapping/>
   </p:clrMapOvr>
+  <p:timing>
+    <p:tnLst>
+      <p:par>
+        <p:cTn xmlns:p14="http://schemas.microsoft.com/office/powerpoint/2010/main" id="1" dur="indefinite" restart="never" nodeType="tmRoot"/>
+      </p:par>
+    </p:tnLst>
+  </p:timing>
 </p:sld>
 </file>
 
@@ -10657,6 +10664,13 @@
   <p:clrMapOvr>
     <a:masterClrMapping/>
   </p:clrMapOvr>
+  <p:timing>
+    <p:tnLst>
+      <p:par>
+        <p:cTn xmlns:p14="http://schemas.microsoft.com/office/powerpoint/2010/main" id="1" dur="indefinite" restart="never" nodeType="tmRoot"/>
+      </p:par>
+    </p:tnLst>
+  </p:timing>
 </p:sld>
 </file>
 
@@ -12740,6 +12754,13 @@
   <p:clrMapOvr>
     <a:masterClrMapping/>
   </p:clrMapOvr>
+  <p:timing>
+    <p:tnLst>
+      <p:par>
+        <p:cTn xmlns:p14="http://schemas.microsoft.com/office/powerpoint/2010/main" id="1" dur="indefinite" restart="never" nodeType="tmRoot"/>
+      </p:par>
+    </p:tnLst>
+  </p:timing>
 </p:sld>
 </file>
 
@@ -31576,19 +31597,70 @@
           <a:p>
             <a:pPr eaLnBrk="1" hangingPunct="1"/>
             <a:r>
-              <a:rPr lang="en-US" smtClean="0"/>
+              <a:rPr lang="en-US" dirty="0" smtClean="0"/>
               <a:t>If the LDA probabilities are used directly as the document representation, the effectiveness will be significantly reduced because the features are </a:t>
             </a:r>
             <a:r>
-              <a:rPr lang="en-US" i="1" smtClean="0"/>
+              <a:rPr lang="en-US" i="1" dirty="0" smtClean="0"/>
               <a:t>too smoothed</a:t>
             </a:r>
           </a:p>
           <a:p>
             <a:pPr lvl="1" eaLnBrk="1" hangingPunct="1"/>
             <a:r>
-              <a:rPr lang="en-US" smtClean="0"/>
+              <a:rPr lang="en-US" dirty="0" smtClean="0"/>
               <a:t>e.g., in typical TREC experiment, </a:t>
+            </a:r>
+            <a:r>
+              <a:rPr lang="en-US" dirty="0" smtClean="0">
+                <a:solidFill>
+                  <a:srgbClr val="02BDB4"/>
+                </a:solidFill>
+              </a:rPr>
+              <a:t>only 400 topics used for the </a:t>
+            </a:r>
+            <a:r>
+              <a:rPr lang="en-US" i="1" dirty="0" smtClean="0">
+                <a:solidFill>
+                  <a:srgbClr val="02BDB4"/>
+                </a:solidFill>
+              </a:rPr>
+              <a:t>entire</a:t>
+            </a:r>
+            <a:r>
+              <a:rPr lang="en-US" dirty="0" smtClean="0">
+                <a:solidFill>
+                  <a:srgbClr val="02BDB4"/>
+                </a:solidFill>
+              </a:rPr>
+              <a:t> collection</a:t>
+            </a:r>
+          </a:p>
+          <a:p>
+            <a:pPr lvl="1" eaLnBrk="1" hangingPunct="1"/>
+            <a:r>
+              <a:rPr lang="en-US" dirty="0" smtClean="0">
+                <a:solidFill>
+                  <a:srgbClr val="02BDB4"/>
+                </a:solidFill>
+              </a:rPr>
+              <a:t>generating LDA topics is expensive</a:t>
+            </a:r>
+            <a:endParaRPr lang="en-US" dirty="0" smtClean="0"/>
+          </a:p>
+          <a:p>
+            <a:pPr eaLnBrk="1" hangingPunct="1"/>
+            <a:r>
+              <a:rPr lang="en-US" dirty="0" smtClean="0"/>
+              <a:t>When used for smoothing </a:t>
+            </a:r>
+            <a:r>
+              <a:rPr lang="en-US" dirty="0" smtClean="0">
+                <a:solidFill>
+                  <a:srgbClr val="02BDB4"/>
+                </a:solidFill>
+              </a:rPr>
+              <a:t>(the </a:t>
             </a:r>
             <a:r>
               <a:rPr lang="en-US" smtClean="0">
@@ -31596,15 +31668,7 @@
                   <a:srgbClr val="02BDB4"/>
                 </a:solidFill>
               </a:rPr>
-              <a:t>only 400 topics used for the </a:t>
-            </a:r>
-            <a:r>
-              <a:rPr lang="en-US" i="1" smtClean="0">
-                <a:solidFill>
-                  <a:srgbClr val="02BDB4"/>
-                </a:solidFill>
-              </a:rPr>
-              <a:t>entire</a:t>
+              <a:t>document language </a:t>
             </a:r>
             <a:r>
               <a:rPr lang="en-US" smtClean="0">
@@ -31612,34 +31676,7 @@
                   <a:srgbClr val="02BDB4"/>
                 </a:solidFill>
               </a:rPr>
-              <a:t> collection</a:t>
-            </a:r>
-          </a:p>
-          <a:p>
-            <a:pPr lvl="1" eaLnBrk="1" hangingPunct="1"/>
-            <a:r>
-              <a:rPr lang="en-US" smtClean="0">
-                <a:solidFill>
-                  <a:srgbClr val="02BDB4"/>
-                </a:solidFill>
-              </a:rPr>
-              <a:t>generating LDA topics is expensive</a:t>
-            </a:r>
-            <a:endParaRPr lang="en-US" smtClean="0"/>
-          </a:p>
-          <a:p>
-            <a:pPr eaLnBrk="1" hangingPunct="1"/>
-            <a:r>
-              <a:rPr lang="en-US" smtClean="0"/>
-              <a:t>When used for smoothing </a:t>
-            </a:r>
-            <a:r>
-              <a:rPr lang="en-US" smtClean="0">
-                <a:solidFill>
-                  <a:srgbClr val="02BDB4"/>
-                </a:solidFill>
-              </a:rPr>
-              <a:t>(the document model)</a:t>
+              <a:t>model)</a:t>
             </a:r>
             <a:r>
               <a:rPr lang="en-US" smtClean="0"/>
